--- a/OODP/OODP101_Week2.pptx
+++ b/OODP/OODP101_Week2.pptx
@@ -251,7 +251,7 @@
             <a:fld id="{3167B381-2549-48F4-8711-F15467D10553}" type="datetimeFigureOut">
               <a:rPr lang="en-US" smtClean="0"/>
               <a:pPr/>
-              <a:t>4/23/2024</a:t>
+              <a:t>4/28/2024</a:t>
             </a:fld>
             <a:endParaRPr lang="en-US" dirty="0"/>
           </a:p>
@@ -419,7 +419,7 @@
             <a:fld id="{9D3FBAC9-CFCC-4023-89A7-5749D0192C0F}" type="datetimeFigureOut">
               <a:rPr lang="en-AU" smtClean="0"/>
               <a:pPr/>
-              <a:t>23/04/2024</a:t>
+              <a:t>28/04/2024</a:t>
             </a:fld>
             <a:endParaRPr lang="en-AU" dirty="0"/>
           </a:p>
@@ -3653,7 +3653,7 @@
           <a:p>
             <a:fld id="{D9C8793D-DBA7-4A8F-846C-01F1021D9C65}" type="datetime1">
               <a:rPr lang="en-AU" smtClean="0"/>
-              <a:t>23/04/2024</a:t>
+              <a:t>28/04/2024</a:t>
             </a:fld>
             <a:endParaRPr lang="en-AU" dirty="0"/>
           </a:p>
@@ -4398,7 +4398,7 @@
           <a:p>
             <a:fld id="{29CE28F1-FEFC-4EE5-A54C-C5AD95E03F3C}" type="datetime1">
               <a:rPr lang="en-AU" smtClean="0"/>
-              <a:t>23/04/2024</a:t>
+              <a:t>28/04/2024</a:t>
             </a:fld>
             <a:endParaRPr lang="en-AU" dirty="0"/>
           </a:p>
@@ -5133,7 +5133,7 @@
           <a:p>
             <a:fld id="{840E0D84-6247-431F-AFCA-113F4EE39346}" type="datetime1">
               <a:rPr lang="en-AU" smtClean="0"/>
-              <a:t>23/04/2024</a:t>
+              <a:t>28/04/2024</a:t>
             </a:fld>
             <a:endParaRPr lang="en-AU" dirty="0"/>
           </a:p>
@@ -5944,7 +5944,7 @@
           <a:p>
             <a:fld id="{D89A24A7-E0D0-4BD2-8EBB-7E8FF95D7C57}" type="datetime1">
               <a:rPr lang="en-AU" smtClean="0"/>
-              <a:t>23/04/2024</a:t>
+              <a:t>28/04/2024</a:t>
             </a:fld>
             <a:endParaRPr lang="en-AU" dirty="0"/>
           </a:p>
@@ -7669,7 +7669,7 @@
           <a:p>
             <a:fld id="{B6FA2929-F721-4DEC-A111-2242BC722A49}" type="datetime1">
               <a:rPr lang="en-AU" smtClean="0"/>
-              <a:t>23/04/2024</a:t>
+              <a:t>28/04/2024</a:t>
             </a:fld>
             <a:endParaRPr lang="en-AU" dirty="0"/>
           </a:p>
@@ -8357,7 +8357,7 @@
           <a:p>
             <a:fld id="{DBF91B49-4D56-4BC2-B95B-69098DE600CD}" type="datetime1">
               <a:rPr lang="en-AU" smtClean="0"/>
-              <a:t>23/04/2024</a:t>
+              <a:t>28/04/2024</a:t>
             </a:fld>
             <a:endParaRPr lang="en-AU" dirty="0"/>
           </a:p>
@@ -8453,7 +8453,7 @@
           <a:p>
             <a:fld id="{07889B46-1CF9-4EE7-8FB6-DC61E422AE3F}" type="datetime1">
               <a:rPr lang="en-AU" smtClean="0"/>
-              <a:t>23/04/2024</a:t>
+              <a:t>28/04/2024</a:t>
             </a:fld>
             <a:endParaRPr lang="en-AU" dirty="0"/>
           </a:p>
@@ -9295,7 +9295,7 @@
           <a:p>
             <a:fld id="{47B667BA-8757-48F2-AF1C-31C9B01669C7}" type="datetime1">
               <a:rPr lang="en-AU" smtClean="0"/>
-              <a:t>23/04/2024</a:t>
+              <a:t>28/04/2024</a:t>
             </a:fld>
             <a:endParaRPr lang="en-AU" dirty="0"/>
           </a:p>
@@ -10117,7 +10117,7 @@
           <a:p>
             <a:fld id="{1E22260A-25C5-4CED-A8EB-9804556707CD}" type="datetime1">
               <a:rPr lang="en-AU" smtClean="0"/>
-              <a:t>23/04/2024</a:t>
+              <a:t>28/04/2024</a:t>
             </a:fld>
             <a:endParaRPr lang="en-AU" dirty="0"/>
           </a:p>
@@ -10895,7 +10895,7 @@
           <a:p>
             <a:fld id="{3F1CD844-23EE-4977-BC46-B90A110D249C}" type="datetime1">
               <a:rPr lang="en-AU" smtClean="0"/>
-              <a:t>23/04/2024</a:t>
+              <a:t>28/04/2024</a:t>
             </a:fld>
             <a:endParaRPr lang="en-AU" dirty="0"/>
           </a:p>
@@ -20337,8 +20337,8 @@
         </p:blipFill>
         <p:spPr>
           <a:xfrm>
-            <a:off x="2528390" y="1905001"/>
-            <a:ext cx="7682411" cy="3220420"/>
+            <a:off x="1805354" y="1905000"/>
+            <a:ext cx="9993683" cy="3886199"/>
           </a:xfrm>
         </p:spPr>
       </p:pic>
